--- a/Powerpoint/Team4Helping.pptx
+++ b/Powerpoint/Team4Helping.pptx
@@ -11,6 +11,7 @@
     <p:sldId id="258" r:id="rId5"/>
     <p:sldId id="259" r:id="rId6"/>
     <p:sldId id="260" r:id="rId7"/>
+    <p:sldId id="262" r:id="rId8"/>
   </p:sldIdLst>
   <p:sldSz cx="12192000" cy="6858000"/>
   <p:notesSz cx="6858000" cy="9144000"/>
@@ -109,6 +110,11 @@
       </a:defRPr>
     </a:lvl9pPr>
   </p:defaultTextStyle>
+  <p:extLst>
+    <p:ext uri="{EFAFB233-063F-42B5-8137-9DF3F51BA10A}">
+      <p15:sldGuideLst xmlns:p15="http://schemas.microsoft.com/office/powerpoint/2012/main"/>
+    </p:ext>
+  </p:extLst>
 </p:presentation>
 </file>
 
@@ -7965,11 +7971,31 @@
           <a:p>
             <a:r>
               <a:rPr lang="en-US" sz="3200" b="1" dirty="0"/>
-              <a:t>It is our objective to efficiently initiate professional intellectual capital so that we may continue to dramatically utilize multimedia based sources while maintaining the highest </a:t>
+              <a:t>It is our objective to </a:t>
             </a:r>
             <a:r>
               <a:rPr lang="en-US" sz="3200" b="1" dirty="0" smtClean="0"/>
-              <a:t>standards to help crowdsource our solutions.</a:t>
+              <a:t>efficiently use existing technologies in unique ways so </a:t>
+            </a:r>
+            <a:r>
+              <a:rPr lang="en-US" sz="3200" b="1" dirty="0"/>
+              <a:t>that we may </a:t>
+            </a:r>
+            <a:r>
+              <a:rPr lang="en-US" sz="3200" b="1" dirty="0" smtClean="0"/>
+              <a:t>bring critical services to those that need them and maintain the </a:t>
+            </a:r>
+            <a:r>
+              <a:rPr lang="en-US" sz="3200" b="1" dirty="0"/>
+              <a:t>highest </a:t>
+            </a:r>
+            <a:r>
+              <a:rPr lang="en-US" sz="3200" b="1" dirty="0" smtClean="0"/>
+              <a:t>standards to help crowdsource our solutions</a:t>
+            </a:r>
+            <a:r>
+              <a:rPr lang="en-US" sz="3200" b="1" dirty="0" smtClean="0"/>
+              <a:t>.</a:t>
             </a:r>
             <a:endParaRPr lang="en-US" sz="3200" b="1" dirty="0"/>
           </a:p>
@@ -8271,7 +8297,15 @@
           <a:p>
             <a:r>
               <a:rPr lang="en-US" dirty="0"/>
-              <a:t>Our vision is to professionally monetize revolutionary benefits to stay pertinent in tomorrow's </a:t>
+              <a:t>Our vision is to professionally </a:t>
+            </a:r>
+            <a:r>
+              <a:rPr lang="en-US" dirty="0" smtClean="0"/>
+              <a:t>design revolutionary services to </a:t>
+            </a:r>
+            <a:r>
+              <a:rPr lang="en-US" dirty="0"/>
+              <a:t>stay pertinent in tomorrow's </a:t>
             </a:r>
             <a:r>
               <a:rPr lang="en-US" dirty="0" smtClean="0"/>
@@ -8281,15 +8315,27 @@
           <a:p>
             <a:r>
               <a:rPr lang="en-US" dirty="0"/>
-              <a:t>Our business is to quickly orchestrate holistic helping-hands as well as conveniently operationalize web 2.0 meta-services to meet our </a:t>
-            </a:r>
-            <a:r>
-              <a:rPr lang="en-US"/>
-              <a:t>customer's </a:t>
-            </a:r>
-            <a:r>
-              <a:rPr lang="en-US" smtClean="0"/>
-              <a:t>map needs</a:t>
+              <a:t>Our business is to quickly orchestrate holistic </a:t>
+            </a:r>
+            <a:r>
+              <a:rPr lang="en-US" dirty="0" smtClean="0"/>
+              <a:t>services </a:t>
+            </a:r>
+            <a:r>
+              <a:rPr lang="en-US" dirty="0"/>
+              <a:t>as well as conveniently </a:t>
+            </a:r>
+            <a:r>
+              <a:rPr lang="en-US" dirty="0" smtClean="0"/>
+              <a:t>deploy web meta-services </a:t>
+            </a:r>
+            <a:r>
+              <a:rPr lang="en-US" dirty="0"/>
+              <a:t>to meet our customer's </a:t>
+            </a:r>
+            <a:r>
+              <a:rPr lang="en-US" dirty="0" smtClean="0"/>
+              <a:t>needs</a:t>
             </a:r>
             <a:r>
               <a:rPr lang="en-US" dirty="0" smtClean="0"/>
@@ -8303,11 +8349,21 @@
             </a:r>
             <a:r>
               <a:rPr lang="en-US" dirty="0" smtClean="0"/>
-              <a:t>map services </a:t>
+              <a:t>local services </a:t>
             </a:r>
             <a:r>
               <a:rPr lang="en-US" dirty="0"/>
-              <a:t>to stay relevant in tomorrow's world.</a:t>
+              <a:t>to stay relevant in tomorrow's world</a:t>
+            </a:r>
+            <a:r>
+              <a:rPr lang="en-US" dirty="0" smtClean="0"/>
+              <a:t>.</a:t>
+            </a:r>
+          </a:p>
+          <a:p>
+            <a:r>
+              <a:rPr lang="en-US" dirty="0" smtClean="0"/>
+              <a:t>We’re not a Map Company, we’re a tech incubator.</a:t>
             </a:r>
             <a:endParaRPr lang="en-US" dirty="0"/>
           </a:p>
@@ -8567,6 +8623,67 @@
                       </p:childTnLst>
                     </p:cTn>
                   </p:par>
+                  <p:par>
+                    <p:cTn id="23" fill="hold">
+                      <p:stCondLst>
+                        <p:cond delay="indefinite"/>
+                      </p:stCondLst>
+                      <p:childTnLst>
+                        <p:par>
+                          <p:cTn id="24" fill="hold">
+                            <p:stCondLst>
+                              <p:cond delay="0"/>
+                            </p:stCondLst>
+                            <p:childTnLst>
+                              <p:par>
+                                <p:cTn id="25" presetID="10" presetClass="entr" presetSubtype="0" fill="hold" grpId="0" nodeType="clickEffect">
+                                  <p:stCondLst>
+                                    <p:cond delay="0"/>
+                                  </p:stCondLst>
+                                  <p:childTnLst>
+                                    <p:set>
+                                      <p:cBhvr>
+                                        <p:cTn id="26" dur="1" fill="hold">
+                                          <p:stCondLst>
+                                            <p:cond delay="0"/>
+                                          </p:stCondLst>
+                                        </p:cTn>
+                                        <p:tgtEl>
+                                          <p:spTgt spid="3">
+                                            <p:txEl>
+                                              <p:pRg st="3" end="3"/>
+                                            </p:txEl>
+                                          </p:spTgt>
+                                        </p:tgtEl>
+                                        <p:attrNameLst>
+                                          <p:attrName>style.visibility</p:attrName>
+                                        </p:attrNameLst>
+                                      </p:cBhvr>
+                                      <p:to>
+                                        <p:strVal val="visible"/>
+                                      </p:to>
+                                    </p:set>
+                                    <p:animEffect transition="in" filter="fade">
+                                      <p:cBhvr>
+                                        <p:cTn id="27" dur="500"/>
+                                        <p:tgtEl>
+                                          <p:spTgt spid="3">
+                                            <p:txEl>
+                                              <p:pRg st="3" end="3"/>
+                                            </p:txEl>
+                                          </p:spTgt>
+                                        </p:tgtEl>
+                                      </p:cBhvr>
+                                    </p:animEffect>
+                                  </p:childTnLst>
+                                </p:cTn>
+                              </p:par>
+                            </p:childTnLst>
+                          </p:cTn>
+                        </p:par>
+                      </p:childTnLst>
+                    </p:cTn>
+                  </p:par>
                 </p:childTnLst>
               </p:cTn>
               <p:prevCondLst>
@@ -8905,8 +9022,36 @@
           <a:p>
             <a:r>
               <a:rPr lang="en-US" dirty="0" smtClean="0"/>
-              <a:t>PowerPoint.</a:t>
-            </a:r>
+              <a:t>PowerPoint</a:t>
+            </a:r>
+            <a:r>
+              <a:rPr lang="en-US" dirty="0" smtClean="0"/>
+              <a:t>.</a:t>
+            </a:r>
+          </a:p>
+          <a:p>
+            <a:endParaRPr lang="en-US" dirty="0"/>
+          </a:p>
+          <a:p>
+            <a:r>
+              <a:rPr lang="en-US" dirty="0" err="1" smtClean="0"/>
+              <a:t>Additionaly</a:t>
+            </a:r>
+            <a:r>
+              <a:rPr lang="en-US" dirty="0" smtClean="0"/>
+              <a:t> Features to Be Implemented</a:t>
+            </a:r>
+          </a:p>
+          <a:p>
+            <a:pPr lvl="1"/>
+            <a:r>
+              <a:rPr lang="en-US" dirty="0" smtClean="0"/>
+              <a:t>Mouse Over Marker Text</a:t>
+            </a:r>
+          </a:p>
+          <a:p>
+            <a:pPr lvl="1"/>
+            <a:endParaRPr lang="en-US" dirty="0" smtClean="0"/>
           </a:p>
         </p:txBody>
       </p:sp>
@@ -8927,6 +9072,81 @@
       </p:par>
     </p:tnLst>
   </p:timing>
+</p:sld>
+</file>
+
+<file path=ppt/slides/slide7.xml><?xml version="1.0" encoding="utf-8"?>
+<p:sld xmlns:a="http://schemas.openxmlformats.org/drawingml/2006/main" xmlns:r="http://schemas.openxmlformats.org/officeDocument/2006/relationships" xmlns:p="http://schemas.openxmlformats.org/presentationml/2006/main">
+  <p:cSld>
+    <p:spTree>
+      <p:nvGrpSpPr>
+        <p:cNvPr id="1" name=""/>
+        <p:cNvGrpSpPr/>
+        <p:nvPr/>
+      </p:nvGrpSpPr>
+      <p:grpSpPr>
+        <a:xfrm>
+          <a:off x="0" y="0"/>
+          <a:ext cx="0" cy="0"/>
+          <a:chOff x="0" y="0"/>
+          <a:chExt cx="0" cy="0"/>
+        </a:xfrm>
+      </p:grpSpPr>
+      <p:sp>
+        <p:nvSpPr>
+          <p:cNvPr id="2" name="Title 1"/>
+          <p:cNvSpPr>
+            <a:spLocks noGrp="1"/>
+          </p:cNvSpPr>
+          <p:nvPr>
+            <p:ph type="title"/>
+          </p:nvPr>
+        </p:nvSpPr>
+        <p:spPr/>
+        <p:txBody>
+          <a:bodyPr/>
+          <a:lstStyle/>
+          <a:p>
+            <a:r>
+              <a:rPr lang="en-US" dirty="0" smtClean="0"/>
+              <a:t>Website</a:t>
+            </a:r>
+            <a:endParaRPr lang="en-US" dirty="0"/>
+          </a:p>
+        </p:txBody>
+      </p:sp>
+      <p:sp>
+        <p:nvSpPr>
+          <p:cNvPr id="3" name="Content Placeholder 2"/>
+          <p:cNvSpPr>
+            <a:spLocks noGrp="1"/>
+          </p:cNvSpPr>
+          <p:nvPr>
+            <p:ph idx="1"/>
+          </p:nvPr>
+        </p:nvSpPr>
+        <p:spPr/>
+        <p:txBody>
+          <a:bodyPr/>
+          <a:lstStyle/>
+          <a:p>
+            <a:r>
+              <a:rPr lang="en-US" dirty="0"/>
+              <a:t>http://ec2-54-211-67-125.compute-1.amazonaws.com//index.html</a:t>
+            </a:r>
+          </a:p>
+        </p:txBody>
+      </p:sp>
+    </p:spTree>
+    <p:extLst>
+      <p:ext uri="{BB962C8B-B14F-4D97-AF65-F5344CB8AC3E}">
+        <p14:creationId xmlns:p14="http://schemas.microsoft.com/office/powerpoint/2010/main" val="371190434"/>
+      </p:ext>
+    </p:extLst>
+  </p:cSld>
+  <p:clrMapOvr>
+    <a:masterClrMapping/>
+  </p:clrMapOvr>
 </p:sld>
 </file>
 
